--- a/ppt-maker/pptx-presentations/modified.pptx
+++ b/ppt-maker/pptx-presentations/modified.pptx
@@ -18,7 +18,6 @@
     <p:sldId id="266" r:id="rId19"/>
     <p:sldId id="267" r:id="rId20"/>
     <p:sldId id="268" r:id="rId21"/>
-    <p:sldId id="269" r:id="rId22"/>
   </p:sldIdLst>
   <p:sldSz cx="18288000" cy="10287000"/>
   <p:notesSz cx="6858000" cy="9144000"/>
@@ -3884,7 +3883,7 @@
               </a:lnSpc>
             </a:pPr>
             <a:r>
-              <a:t>The ups and downs of middle school, including friendships and rivalries, highlight the struggles of growing up.</a:t>
+              <a:t>Diverse range of conflicts faced by Greg and his friends</a:t>
             </a:r>
           </a:p>
         </p:txBody>
@@ -3916,7 +3915,7 @@
               </a:lnSpc>
             </a:pPr>
             <a:r>
-              <a:t>School Life</a:t>
+              <a:t>Conflict</a:t>
             </a:r>
           </a:p>
         </p:txBody>
@@ -4268,7 +4267,7 @@
               </a:lnSpc>
             </a:pPr>
             <a:r>
-              <a:t>Greg's diary serves as a personal space, showcasing his thoughts, worries, and daily experiences.</a:t>
+              <a:t>The use of humor to address real-life situations</a:t>
             </a:r>
           </a:p>
         </p:txBody>
@@ -4300,7 +4299,7 @@
               </a:lnSpc>
             </a:pPr>
             <a:r>
-              <a:t>Invention of the 'Diary'</a:t>
+              <a:t>Humor</a:t>
             </a:r>
           </a:p>
         </p:txBody>
@@ -4652,7 +4651,7 @@
               </a:lnSpc>
             </a:pPr>
             <a:r>
-              <a:t>His relationship with his best friend, Rowley, is explored, showcasing loyalty and conflict.</a:t>
+              <a:t>Key takeaways and moral lessons from the story</a:t>
             </a:r>
           </a:p>
         </p:txBody>
@@ -4684,7 +4683,7 @@
               </a:lnSpc>
             </a:pPr>
             <a:r>
-              <a:t>Friendship with Rowley</a:t>
+              <a:t>Lessons Learned</a:t>
             </a:r>
           </a:p>
         </p:txBody>
@@ -5036,7 +5035,7 @@
               </a:lnSpc>
             </a:pPr>
             <a:r>
-              <a:t>The book illustrates the awkward moments and embarrassing experiences that come with pre-teen years.</a:t>
+              <a:t>Final thoughts on the series and its legacy.</a:t>
             </a:r>
           </a:p>
         </p:txBody>
@@ -5068,391 +5067,7 @@
               </a:lnSpc>
             </a:pPr>
             <a:r>
-              <a:t>Growing Pains</a:t>
-            </a:r>
-          </a:p>
-        </p:txBody>
-      </p:sp>
-    </p:spTree>
-  </p:cSld>
-  <p:clrMapOvr>
-    <a:masterClrMapping/>
-  </p:clrMapOvr>
-</p:sld>
-</file>
-
-<file path=ppt/slides/slide14.xml><?xml version="1.0" encoding="utf-8"?>
-<p:sld xmlns:a="http://schemas.openxmlformats.org/drawingml/2006/main" xmlns:p="http://schemas.openxmlformats.org/presentationml/2006/main" xmlns:r="http://schemas.openxmlformats.org/officeDocument/2006/relationships">
-  <p:cSld>
-    <p:bg>
-      <p:bgPr>
-        <a:solidFill>
-          <a:srgbClr val="FFEFDA"/>
-        </a:solidFill>
-        <a:effectLst/>
-      </p:bgPr>
-    </p:bg>
-    <p:spTree>
-      <p:nvGrpSpPr>
-        <p:cNvPr id="1" name=""/>
-        <p:cNvGrpSpPr/>
-        <p:nvPr/>
-      </p:nvGrpSpPr>
-      <p:grpSpPr/>
-      <p:sp>
-        <p:nvSpPr>
-          <p:cNvPr id="2" name="Vertical Title 1"/>
-          <p:cNvSpPr>
-            <a:spLocks noGrp="1"/>
-          </p:cNvSpPr>
-          <p:nvPr>
-            <p:ph type="title" orient="vert"/>
-          </p:nvPr>
-        </p:nvSpPr>
-        <p:spPr/>
-        <p:txBody>
-          <a:bodyPr/>
-          <a:lstStyle/>
-          <a:p/>
-        </p:txBody>
-      </p:sp>
-      <p:sp>
-        <p:nvSpPr>
-          <p:cNvPr id="3" name="Vertical Text Placeholder 2"/>
-          <p:cNvSpPr>
-            <a:spLocks noGrp="1"/>
-          </p:cNvSpPr>
-          <p:nvPr>
-            <p:ph type="body" idx="1" orient="vert"/>
-          </p:nvPr>
-        </p:nvSpPr>
-        <p:spPr/>
-        <p:txBody>
-          <a:bodyPr/>
-          <a:lstStyle/>
-          <a:p/>
-        </p:txBody>
-      </p:sp>
-      <p:sp>
-        <p:nvSpPr>
-          <p:cNvPr name="Freeform 2" id="2"/>
-          <p:cNvSpPr/>
-          <p:nvPr/>
-        </p:nvSpPr>
-        <p:spPr>
-          <a:xfrm flipH="true" flipV="true" rot="0">
-            <a:off x="12337292" y="-876300"/>
-            <a:ext cx="6103108" cy="4114800"/>
-          </a:xfrm>
-          <a:custGeom>
-            <a:avLst/>
-            <a:gdLst/>
-            <a:ahLst/>
-            <a:cxnLst/>
-            <a:rect r="r" b="b" t="t" l="l"/>
-            <a:pathLst>
-              <a:path h="4114800" w="6103108">
-                <a:moveTo>
-                  <a:pt x="6103108" y="4114800"/>
-                </a:moveTo>
-                <a:lnTo>
-                  <a:pt x="0" y="4114800"/>
-                </a:lnTo>
-                <a:lnTo>
-                  <a:pt x="0" y="0"/>
-                </a:lnTo>
-                <a:lnTo>
-                  <a:pt x="6103108" y="0"/>
-                </a:lnTo>
-                <a:lnTo>
-                  <a:pt x="6103108" y="4114800"/>
-                </a:lnTo>
-                <a:close/>
-              </a:path>
-            </a:pathLst>
-          </a:custGeom>
-          <a:blipFill>
-            <a:blip r:embed="rId2">
-              <a:extLst>
-                <a:ext uri="{96DAC541-7B7A-43D3-8B79-37D633B846F1}">
-                  <asvg:svgBlip xmlns:asvg="http://schemas.microsoft.com/office/drawing/2016/SVG/main" r:embed="rId3"/>
-                </a:ext>
-              </a:extLst>
-            </a:blip>
-            <a:stretch>
-              <a:fillRect l="0" t="0" r="0" b="0"/>
-            </a:stretch>
-          </a:blipFill>
-        </p:spPr>
-      </p:sp>
-      <p:sp>
-        <p:nvSpPr>
-          <p:cNvPr name="Freeform 3" id="3"/>
-          <p:cNvSpPr/>
-          <p:nvPr/>
-        </p:nvSpPr>
-        <p:spPr>
-          <a:xfrm flipH="false" flipV="false" rot="0">
-            <a:off x="14407223" y="-302623"/>
-            <a:ext cx="5040401" cy="4114800"/>
-          </a:xfrm>
-          <a:custGeom>
-            <a:avLst/>
-            <a:gdLst/>
-            <a:ahLst/>
-            <a:cxnLst/>
-            <a:rect r="r" b="b" t="t" l="l"/>
-            <a:pathLst>
-              <a:path h="4114800" w="5040401">
-                <a:moveTo>
-                  <a:pt x="0" y="0"/>
-                </a:moveTo>
-                <a:lnTo>
-                  <a:pt x="5040401" y="0"/>
-                </a:lnTo>
-                <a:lnTo>
-                  <a:pt x="5040401" y="4114800"/>
-                </a:lnTo>
-                <a:lnTo>
-                  <a:pt x="0" y="4114800"/>
-                </a:lnTo>
-                <a:lnTo>
-                  <a:pt x="0" y="0"/>
-                </a:lnTo>
-                <a:close/>
-              </a:path>
-            </a:pathLst>
-          </a:custGeom>
-          <a:blipFill>
-            <a:blip r:embed="rId4">
-              <a:extLst>
-                <a:ext uri="{96DAC541-7B7A-43D3-8B79-37D633B846F1}">
-                  <asvg:svgBlip xmlns:asvg="http://schemas.microsoft.com/office/drawing/2016/SVG/main" r:embed="rId5"/>
-                </a:ext>
-              </a:extLst>
-            </a:blip>
-            <a:stretch>
-              <a:fillRect l="0" t="0" r="0" b="0"/>
-            </a:stretch>
-          </a:blipFill>
-        </p:spPr>
-      </p:sp>
-      <p:sp>
-        <p:nvSpPr>
-          <p:cNvPr name="Freeform 4" id="4"/>
-          <p:cNvSpPr/>
-          <p:nvPr/>
-        </p:nvSpPr>
-        <p:spPr>
-          <a:xfrm flipH="false" flipV="false" rot="0">
-            <a:off x="-826735" y="6747939"/>
-            <a:ext cx="6103108" cy="4114800"/>
-          </a:xfrm>
-          <a:custGeom>
-            <a:avLst/>
-            <a:gdLst/>
-            <a:ahLst/>
-            <a:cxnLst/>
-            <a:rect r="r" b="b" t="t" l="l"/>
-            <a:pathLst>
-              <a:path h="4114800" w="6103108">
-                <a:moveTo>
-                  <a:pt x="0" y="0"/>
-                </a:moveTo>
-                <a:lnTo>
-                  <a:pt x="6103108" y="0"/>
-                </a:lnTo>
-                <a:lnTo>
-                  <a:pt x="6103108" y="4114800"/>
-                </a:lnTo>
-                <a:lnTo>
-                  <a:pt x="0" y="4114800"/>
-                </a:lnTo>
-                <a:lnTo>
-                  <a:pt x="0" y="0"/>
-                </a:lnTo>
-                <a:close/>
-              </a:path>
-            </a:pathLst>
-          </a:custGeom>
-          <a:blipFill>
-            <a:blip r:embed="rId2">
-              <a:extLst>
-                <a:ext uri="{96DAC541-7B7A-43D3-8B79-37D633B846F1}">
-                  <asvg:svgBlip xmlns:asvg="http://schemas.microsoft.com/office/drawing/2016/SVG/main" r:embed="rId3"/>
-                </a:ext>
-              </a:extLst>
-            </a:blip>
-            <a:stretch>
-              <a:fillRect l="0" t="0" r="0" b="0"/>
-            </a:stretch>
-          </a:blipFill>
-        </p:spPr>
-      </p:sp>
-      <p:sp>
-        <p:nvSpPr>
-          <p:cNvPr name="Freeform 5" id="5"/>
-          <p:cNvSpPr/>
-          <p:nvPr/>
-        </p:nvSpPr>
-        <p:spPr>
-          <a:xfrm flipH="false" flipV="false" rot="0">
-            <a:off x="410130" y="6114049"/>
-            <a:ext cx="2369825" cy="2300885"/>
-          </a:xfrm>
-          <a:custGeom>
-            <a:avLst/>
-            <a:gdLst/>
-            <a:ahLst/>
-            <a:cxnLst/>
-            <a:rect r="r" b="b" t="t" l="l"/>
-            <a:pathLst>
-              <a:path h="2300885" w="2369825">
-                <a:moveTo>
-                  <a:pt x="0" y="0"/>
-                </a:moveTo>
-                <a:lnTo>
-                  <a:pt x="2369825" y="0"/>
-                </a:lnTo>
-                <a:lnTo>
-                  <a:pt x="2369825" y="2300885"/>
-                </a:lnTo>
-                <a:lnTo>
-                  <a:pt x="0" y="2300885"/>
-                </a:lnTo>
-                <a:lnTo>
-                  <a:pt x="0" y="0"/>
-                </a:lnTo>
-                <a:close/>
-              </a:path>
-            </a:pathLst>
-          </a:custGeom>
-          <a:blipFill>
-            <a:blip r:embed="rId6">
-              <a:extLst>
-                <a:ext uri="{96DAC541-7B7A-43D3-8B79-37D633B846F1}">
-                  <asvg:svgBlip xmlns:asvg="http://schemas.microsoft.com/office/drawing/2016/SVG/main" r:embed="rId7"/>
-                </a:ext>
-              </a:extLst>
-            </a:blip>
-            <a:stretch>
-              <a:fillRect l="0" t="0" r="0" b="0"/>
-            </a:stretch>
-          </a:blipFill>
-        </p:spPr>
-      </p:sp>
-      <p:sp>
-        <p:nvSpPr>
-          <p:cNvPr name="Freeform 6" id="6"/>
-          <p:cNvSpPr/>
-          <p:nvPr/>
-        </p:nvSpPr>
-        <p:spPr>
-          <a:xfrm flipH="false" flipV="false" rot="0">
-            <a:off x="2088210" y="738769"/>
-            <a:ext cx="14111580" cy="8809462"/>
-          </a:xfrm>
-          <a:custGeom>
-            <a:avLst/>
-            <a:gdLst/>
-            <a:ahLst/>
-            <a:cxnLst/>
-            <a:rect r="r" b="b" t="t" l="l"/>
-            <a:pathLst>
-              <a:path h="8809462" w="14111580">
-                <a:moveTo>
-                  <a:pt x="0" y="0"/>
-                </a:moveTo>
-                <a:lnTo>
-                  <a:pt x="14111580" y="0"/>
-                </a:lnTo>
-                <a:lnTo>
-                  <a:pt x="14111580" y="8809462"/>
-                </a:lnTo>
-                <a:lnTo>
-                  <a:pt x="0" y="8809462"/>
-                </a:lnTo>
-                <a:lnTo>
-                  <a:pt x="0" y="0"/>
-                </a:lnTo>
-                <a:close/>
-              </a:path>
-            </a:pathLst>
-          </a:custGeom>
-          <a:blipFill>
-            <a:blip r:embed="rId8">
-              <a:extLst>
-                <a:ext uri="{96DAC541-7B7A-43D3-8B79-37D633B846F1}">
-                  <asvg:svgBlip xmlns:asvg="http://schemas.microsoft.com/office/drawing/2016/SVG/main" r:embed="rId9"/>
-                </a:ext>
-              </a:extLst>
-            </a:blip>
-            <a:stretch>
-              <a:fillRect l="0" t="0" r="0" b="0"/>
-            </a:stretch>
-          </a:blipFill>
-        </p:spPr>
-      </p:sp>
-      <p:sp>
-        <p:nvSpPr>
-          <p:cNvPr name="TextBox 7" id="7"/>
-          <p:cNvSpPr txBox="true"/>
-          <p:nvPr/>
-        </p:nvSpPr>
-        <p:spPr>
-          <a:xfrm rot="0">
-            <a:off x="3597962" y="4002083"/>
-            <a:ext cx="11092077" cy="3140076"/>
-          </a:xfrm>
-          <a:prstGeom prst="rect">
-            <a:avLst/>
-          </a:prstGeom>
-        </p:spPr>
-        <p:txBody>
-          <a:bodyPr anchor="t" rtlCol="false" tIns="0" lIns="0" bIns="0" rIns="0">
-            <a:spAutoFit/>
-          </a:bodyPr>
-          <a:lstStyle/>
-          <a:p>
-            <a:pPr algn="just">
-              <a:lnSpc>
-                <a:spcPts val="4899"/>
-              </a:lnSpc>
-            </a:pPr>
-            <a:r>
-              <a:t>By the end, Greg shows growth in his friendships and a better understanding of his place in the world.</a:t>
-            </a:r>
-          </a:p>
-        </p:txBody>
-      </p:sp>
-      <p:sp>
-        <p:nvSpPr>
-          <p:cNvPr name="TextBox 8" id="8"/>
-          <p:cNvSpPr txBox="true"/>
-          <p:nvPr/>
-        </p:nvSpPr>
-        <p:spPr>
-          <a:xfrm rot="0">
-            <a:off x="4924696" y="2467693"/>
-            <a:ext cx="8438608" cy="770807"/>
-          </a:xfrm>
-          <a:prstGeom prst="rect">
-            <a:avLst/>
-          </a:prstGeom>
-        </p:spPr>
-        <p:txBody>
-          <a:bodyPr anchor="t" rtlCol="false" tIns="0" lIns="0" bIns="0" rIns="0">
-            <a:spAutoFit/>
-          </a:bodyPr>
-          <a:lstStyle/>
-          <a:p>
-            <a:pPr algn="ctr">
-              <a:lnSpc>
-                <a:spcPts val="5521"/>
-              </a:lnSpc>
-            </a:pPr>
-            <a:r>
-              <a:t>Resolution and Growth</a:t>
+              <a:t>Conclusion</a:t>
             </a:r>
           </a:p>
         </p:txBody>
@@ -8871,7 +8486,7 @@
               </a:lnSpc>
             </a:pPr>
             <a:r>
-              <a:t>The story centers around Greg, a middle school student navigating the trials of adolescence.</a:t>
+              <a:t>Overview of the series and its impact on children's literature</a:t>
             </a:r>
           </a:p>
         </p:txBody>
@@ -8903,7 +8518,7 @@
               </a:lnSpc>
             </a:pPr>
             <a:r>
-              <a:t>Introduction to Greg Heffley</a:t>
+              <a:t>Introduction</a:t>
             </a:r>
           </a:p>
         </p:txBody>
@@ -9255,7 +8870,7 @@
               </a:lnSpc>
             </a:pPr>
             <a:r>
-              <a:t>A contagious rumor and an old piece of cheese symbolize social challenges and the fear of peer judgment.</a:t>
+              <a:t>The importance of facing challenges and being honest</a:t>
             </a:r>
           </a:p>
         </p:txBody>
@@ -9287,7 +8902,7 @@
               </a:lnSpc>
             </a:pPr>
             <a:r>
-              <a:t>The Cheese Touch</a:t>
+              <a:t>Key Message</a:t>
             </a:r>
           </a:p>
         </p:txBody>
@@ -9639,7 +9254,7 @@
               </a:lnSpc>
             </a:pPr>
             <a:r>
-              <a:t>Greg's relationship with his family, especially his mom and older brother, adds humor and complexity to his life.</a:t>
+              <a:t>Growth of main character Greg Heffley throughout the series</a:t>
             </a:r>
           </a:p>
         </p:txBody>
@@ -9671,7 +9286,7 @@
               </a:lnSpc>
             </a:pPr>
             <a:r>
-              <a:t>Family Dynamics</a:t>
+              <a:t>Character Development</a:t>
             </a:r>
           </a:p>
         </p:txBody>

--- a/ppt-maker/pptx-presentations/modified.pptx
+++ b/ppt-maker/pptx-presentations/modified.pptx
@@ -3883,7 +3883,7 @@
               </a:lnSpc>
             </a:pPr>
             <a:r>
-              <a:t>Diverse range of conflicts faced by Greg and his friends</a:t>
+              <a:t>The complexities of friendships and peer pressure</a:t>
             </a:r>
           </a:p>
         </p:txBody>
@@ -3915,7 +3915,7 @@
               </a:lnSpc>
             </a:pPr>
             <a:r>
-              <a:t>Conflict</a:t>
+              <a:t>Friendship Challenges</a:t>
             </a:r>
           </a:p>
         </p:txBody>
@@ -4267,7 +4267,7 @@
               </a:lnSpc>
             </a:pPr>
             <a:r>
-              <a:t>The use of humor to address real-life situations</a:t>
+              <a:t>Humorous stories that highlight the challenges of youth</a:t>
             </a:r>
           </a:p>
         </p:txBody>
@@ -4299,7 +4299,7 @@
               </a:lnSpc>
             </a:pPr>
             <a:r>
-              <a:t>Humor</a:t>
+              <a:t>Anecdotes of Humor</a:t>
             </a:r>
           </a:p>
         </p:txBody>
@@ -4651,7 +4651,7 @@
               </a:lnSpc>
             </a:pPr>
             <a:r>
-              <a:t>Key takeaways and moral lessons from the story</a:t>
+              <a:t>Growth and lessons learned throughout the book</a:t>
             </a:r>
           </a:p>
         </p:txBody>
@@ -4683,7 +4683,7 @@
               </a:lnSpc>
             </a:pPr>
             <a:r>
-              <a:t>Lessons Learned</a:t>
+              <a:t>Personal Growth</a:t>
             </a:r>
           </a:p>
         </p:txBody>
@@ -5035,7 +5035,7 @@
               </a:lnSpc>
             </a:pPr>
             <a:r>
-              <a:t>Final thoughts on the series and its legacy.</a:t>
+              <a:t>Reflecting on the journey and its implications for young readers.</a:t>
             </a:r>
           </a:p>
         </p:txBody>
@@ -5067,7 +5067,7 @@
               </a:lnSpc>
             </a:pPr>
             <a:r>
-              <a:t>Conclusion</a:t>
+              <a:t>Final Takeaways</a:t>
             </a:r>
           </a:p>
         </p:txBody>
@@ -8486,7 +8486,7 @@
               </a:lnSpc>
             </a:pPr>
             <a:r>
-              <a:t>Overview of the series and its impact on children's literature</a:t>
+              <a:t>Introducing Greg Heffley and his family</a:t>
             </a:r>
           </a:p>
         </p:txBody>
@@ -8518,7 +8518,7 @@
               </a:lnSpc>
             </a:pPr>
             <a:r>
-              <a:t>Introduction</a:t>
+              <a:t>Character Introduction</a:t>
             </a:r>
           </a:p>
         </p:txBody>
@@ -8870,7 +8870,7 @@
               </a:lnSpc>
             </a:pPr>
             <a:r>
-              <a:t>The importance of facing challenges and being honest</a:t>
+              <a:t>Greg's experiences navigating middle school</a:t>
             </a:r>
           </a:p>
         </p:txBody>
@@ -8902,7 +8902,7 @@
               </a:lnSpc>
             </a:pPr>
             <a:r>
-              <a:t>Key Message</a:t>
+              <a:t>School Life</a:t>
             </a:r>
           </a:p>
         </p:txBody>
@@ -9254,7 +9254,7 @@
               </a:lnSpc>
             </a:pPr>
             <a:r>
-              <a:t>Growth of main character Greg Heffley throughout the series</a:t>
+              <a:t>The ups and downs of Greg's relationship with his parents</a:t>
             </a:r>
           </a:p>
         </p:txBody>
@@ -9286,7 +9286,7 @@
               </a:lnSpc>
             </a:pPr>
             <a:r>
-              <a:t>Character Development</a:t>
+              <a:t>Family Dynamics</a:t>
             </a:r>
           </a:p>
         </p:txBody>
